--- a/Final Project PPT.pptx
+++ b/Final Project PPT.pptx
@@ -4435,7 +4435,7 @@
                   </a:solidFill>
                   <a:latin typeface="Tw Cen MT" panose="020B0602020104020603" pitchFamily="34" charset="0"/>
                 </a:rPr>
-                <a:t>ML</a:t>
+                <a:t>Machine</a:t>
               </a:r>
             </a:p>
           </p:txBody>
@@ -4756,14 +4756,20 @@
             <a:p>
               <a:pPr algn="ctr"/>
               <a:r>
-                <a:rPr lang="en-US" sz="2500" b="1" dirty="0">
+                <a:rPr lang="en-US" sz="2500" b="1" dirty="0" err="1">
                   <a:solidFill>
                     <a:srgbClr val="F0EEF0"/>
                   </a:solidFill>
                   <a:latin typeface="Tw Cen MT" panose="020B0602020104020603" pitchFamily="34" charset="0"/>
                 </a:rPr>
-                <a:t>JN</a:t>
+                <a:t>Jupyter</a:t>
               </a:r>
+              <a:endParaRPr lang="en-US" sz="2500" b="1" dirty="0">
+                <a:solidFill>
+                  <a:srgbClr val="F0EEF0"/>
+                </a:solidFill>
+                <a:latin typeface="Tw Cen MT" panose="020B0602020104020603" pitchFamily="34" charset="0"/>
+              </a:endParaRPr>
             </a:p>
           </p:txBody>
         </p:sp>
@@ -6134,7 +6140,7 @@
                   </a:solidFill>
                   <a:latin typeface="Tw Cen MT" panose="020B0602020104020603" pitchFamily="34" charset="0"/>
                 </a:rPr>
-                <a:t>ML</a:t>
+                <a:t>Machine</a:t>
               </a:r>
             </a:p>
           </p:txBody>
@@ -6455,14 +6461,20 @@
             <a:p>
               <a:pPr algn="ctr"/>
               <a:r>
-                <a:rPr lang="en-US" sz="2500" b="1" dirty="0">
+                <a:rPr lang="en-US" sz="2500" b="1" dirty="0" err="1">
                   <a:solidFill>
                     <a:srgbClr val="F0EEF0"/>
                   </a:solidFill>
                   <a:latin typeface="Tw Cen MT" panose="020B0602020104020603" pitchFamily="34" charset="0"/>
                 </a:rPr>
-                <a:t>JN</a:t>
+                <a:t>Jupyter</a:t>
               </a:r>
+              <a:endParaRPr lang="en-US" sz="2500" b="1" dirty="0">
+                <a:solidFill>
+                  <a:srgbClr val="F0EEF0"/>
+                </a:solidFill>
+                <a:latin typeface="Tw Cen MT" panose="020B0602020104020603" pitchFamily="34" charset="0"/>
+              </a:endParaRPr>
             </a:p>
           </p:txBody>
         </p:sp>
@@ -8309,7 +8321,7 @@
                   </a:solidFill>
                   <a:latin typeface="Tw Cen MT" panose="020B0602020104020603" pitchFamily="34" charset="0"/>
                 </a:rPr>
-                <a:t>ML</a:t>
+                <a:t>Machine</a:t>
               </a:r>
             </a:p>
           </p:txBody>
@@ -8630,14 +8642,20 @@
             <a:p>
               <a:pPr algn="ctr"/>
               <a:r>
-                <a:rPr lang="en-US" sz="2500" b="1" dirty="0">
+                <a:rPr lang="en-US" sz="2500" b="1" dirty="0" err="1">
                   <a:solidFill>
                     <a:srgbClr val="F0EEF0"/>
                   </a:solidFill>
                   <a:latin typeface="Tw Cen MT" panose="020B0602020104020603" pitchFamily="34" charset="0"/>
                 </a:rPr>
-                <a:t>JN</a:t>
+                <a:t>Jupyter</a:t>
               </a:r>
+              <a:endParaRPr lang="en-US" sz="2500" b="1" dirty="0">
+                <a:solidFill>
+                  <a:srgbClr val="F0EEF0"/>
+                </a:solidFill>
+                <a:latin typeface="Tw Cen MT" panose="020B0602020104020603" pitchFamily="34" charset="0"/>
+              </a:endParaRPr>
             </a:p>
           </p:txBody>
         </p:sp>
@@ -12452,7 +12470,7 @@
                   </a:solidFill>
                   <a:latin typeface="Tw Cen MT" panose="020B0602020104020603" pitchFamily="34" charset="0"/>
                 </a:rPr>
-                <a:t>ML</a:t>
+                <a:t>Machine</a:t>
               </a:r>
             </a:p>
           </p:txBody>
@@ -12773,14 +12791,20 @@
             <a:p>
               <a:pPr algn="ctr"/>
               <a:r>
-                <a:rPr lang="en-US" sz="2500" b="1" dirty="0">
+                <a:rPr lang="en-US" sz="2500" b="1" dirty="0" err="1">
                   <a:solidFill>
                     <a:srgbClr val="F0EEF0"/>
                   </a:solidFill>
                   <a:latin typeface="Tw Cen MT" panose="020B0602020104020603" pitchFamily="34" charset="0"/>
                 </a:rPr>
-                <a:t>JN</a:t>
+                <a:t>Jupyter</a:t>
               </a:r>
+              <a:endParaRPr lang="en-US" sz="2500" b="1" dirty="0">
+                <a:solidFill>
+                  <a:srgbClr val="F0EEF0"/>
+                </a:solidFill>
+                <a:latin typeface="Tw Cen MT" panose="020B0602020104020603" pitchFamily="34" charset="0"/>
+              </a:endParaRPr>
             </a:p>
           </p:txBody>
         </p:sp>
@@ -16830,7 +16854,7 @@
                   </a:solidFill>
                   <a:latin typeface="Tw Cen MT" panose="020B0602020104020603" pitchFamily="34" charset="0"/>
                 </a:rPr>
-                <a:t>ML</a:t>
+                <a:t>Machine</a:t>
               </a:r>
             </a:p>
           </p:txBody>
@@ -17090,14 +17114,20 @@
             <a:p>
               <a:pPr algn="ctr"/>
               <a:r>
-                <a:rPr lang="en-US" sz="2500" b="1" dirty="0">
+                <a:rPr lang="en-US" sz="2500" b="1" dirty="0" err="1">
                   <a:solidFill>
                     <a:srgbClr val="F0EEF0"/>
                   </a:solidFill>
                   <a:latin typeface="Tw Cen MT" panose="020B0602020104020603" pitchFamily="34" charset="0"/>
                 </a:rPr>
-                <a:t>JN</a:t>
+                <a:t>Jupyter</a:t>
               </a:r>
+              <a:endParaRPr lang="en-US" sz="2500" b="1" dirty="0">
+                <a:solidFill>
+                  <a:srgbClr val="F0EEF0"/>
+                </a:solidFill>
+                <a:latin typeface="Tw Cen MT" panose="020B0602020104020603" pitchFamily="34" charset="0"/>
+              </a:endParaRPr>
             </a:p>
           </p:txBody>
         </p:sp>
@@ -20499,7 +20529,7 @@
                   </a:solidFill>
                   <a:latin typeface="Tw Cen MT" panose="020B0602020104020603" pitchFamily="34" charset="0"/>
                 </a:rPr>
-                <a:t>ML</a:t>
+                <a:t>Machine</a:t>
               </a:r>
             </a:p>
           </p:txBody>
@@ -20759,14 +20789,20 @@
             <a:p>
               <a:pPr algn="ctr"/>
               <a:r>
-                <a:rPr lang="en-US" sz="2500" b="1" dirty="0">
+                <a:rPr lang="en-US" sz="2500" b="1" dirty="0" err="1">
                   <a:solidFill>
                     <a:srgbClr val="F0EEF0"/>
                   </a:solidFill>
                   <a:latin typeface="Tw Cen MT" panose="020B0602020104020603" pitchFamily="34" charset="0"/>
                 </a:rPr>
-                <a:t>JN</a:t>
+                <a:t>Jupyter</a:t>
               </a:r>
+              <a:endParaRPr lang="en-US" sz="2500" b="1" dirty="0">
+                <a:solidFill>
+                  <a:srgbClr val="F0EEF0"/>
+                </a:solidFill>
+                <a:latin typeface="Tw Cen MT" panose="020B0602020104020603" pitchFamily="34" charset="0"/>
+              </a:endParaRPr>
             </a:p>
           </p:txBody>
         </p:sp>
@@ -24039,14 +24075,20 @@
             <a:p>
               <a:pPr algn="ctr"/>
               <a:r>
-                <a:rPr lang="en-US" sz="2500" b="1" dirty="0">
+                <a:rPr lang="en-US" sz="2500" b="1">
                   <a:solidFill>
                     <a:srgbClr val="F0EEF0"/>
                   </a:solidFill>
                   <a:latin typeface="Tw Cen MT" panose="020B0602020104020603" pitchFamily="34" charset="0"/>
                 </a:rPr>
-                <a:t>ML</a:t>
+                <a:t>Machine</a:t>
               </a:r>
+              <a:endParaRPr lang="en-US" sz="2500" b="1" dirty="0">
+                <a:solidFill>
+                  <a:srgbClr val="F0EEF0"/>
+                </a:solidFill>
+                <a:latin typeface="Tw Cen MT" panose="020B0602020104020603" pitchFamily="34" charset="0"/>
+              </a:endParaRPr>
             </a:p>
           </p:txBody>
         </p:sp>
@@ -24305,14 +24347,20 @@
             <a:p>
               <a:pPr algn="ctr"/>
               <a:r>
-                <a:rPr lang="en-US" sz="2500" b="1" dirty="0">
+                <a:rPr lang="en-US" sz="2500" b="1" dirty="0" err="1">
                   <a:solidFill>
                     <a:srgbClr val="F0EEF0"/>
                   </a:solidFill>
                   <a:latin typeface="Tw Cen MT" panose="020B0602020104020603" pitchFamily="34" charset="0"/>
                 </a:rPr>
-                <a:t>JN</a:t>
+                <a:t>Jupyter</a:t>
               </a:r>
+              <a:endParaRPr lang="en-US" sz="2500" b="1" dirty="0">
+                <a:solidFill>
+                  <a:srgbClr val="F0EEF0"/>
+                </a:solidFill>
+                <a:latin typeface="Tw Cen MT" panose="020B0602020104020603" pitchFamily="34" charset="0"/>
+              </a:endParaRPr>
             </a:p>
           </p:txBody>
         </p:sp>
